--- a/オウオストル.pptx
+++ b/オウオストル.pptx
@@ -8,6 +8,9 @@
     <p:sldId id="256" r:id="rId2"/>
     <p:sldId id="258" r:id="rId3"/>
     <p:sldId id="257" r:id="rId4"/>
+    <p:sldId id="259" r:id="rId5"/>
+    <p:sldId id="260" r:id="rId6"/>
+    <p:sldId id="261" r:id="rId7"/>
   </p:sldIdLst>
   <p:sldSz cx="12192000" cy="6858000"/>
   <p:notesSz cx="6858000" cy="9144000"/>
@@ -114,9 +117,15 @@
             <p14:sldId id="256"/>
             <p14:sldId id="258"/>
             <p14:sldId id="257"/>
+            <p14:sldId id="259"/>
+            <p14:sldId id="260"/>
+            <p14:sldId id="261"/>
           </p14:sldIdLst>
         </p14:section>
       </p14:sectionLst>
+    </p:ext>
+    <p:ext uri="{EFAFB233-063F-42B5-8137-9DF3F51BA10A}">
+      <p15:sldGuideLst xmlns:p15="http://schemas.microsoft.com/office/powerpoint/2012/main"/>
     </p:ext>
   </p:extLst>
 </p:presentation>
@@ -253,7 +262,7 @@
           <a:p>
             <a:fld id="{F73575EA-B69C-4E98-A1F6-448EF35F28C2}" type="datetimeFigureOut">
               <a:rPr kumimoji="1" lang="ja-JP" altLang="en-US" smtClean="0"/>
-              <a:t>2018/11/9</a:t>
+              <a:t>2018/11/12</a:t>
             </a:fld>
             <a:endParaRPr kumimoji="1" lang="ja-JP" altLang="en-US"/>
           </a:p>
@@ -455,7 +464,7 @@
           <a:p>
             <a:fld id="{F73575EA-B69C-4E98-A1F6-448EF35F28C2}" type="datetimeFigureOut">
               <a:rPr kumimoji="1" lang="ja-JP" altLang="en-US" smtClean="0"/>
-              <a:t>2018/11/9</a:t>
+              <a:t>2018/11/12</a:t>
             </a:fld>
             <a:endParaRPr kumimoji="1" lang="ja-JP" altLang="en-US"/>
           </a:p>
@@ -667,7 +676,7 @@
           <a:p>
             <a:fld id="{F73575EA-B69C-4E98-A1F6-448EF35F28C2}" type="datetimeFigureOut">
               <a:rPr kumimoji="1" lang="ja-JP" altLang="en-US" smtClean="0"/>
-              <a:t>2018/11/9</a:t>
+              <a:t>2018/11/12</a:t>
             </a:fld>
             <a:endParaRPr kumimoji="1" lang="ja-JP" altLang="en-US"/>
           </a:p>
@@ -869,7 +878,7 @@
           <a:p>
             <a:fld id="{F73575EA-B69C-4E98-A1F6-448EF35F28C2}" type="datetimeFigureOut">
               <a:rPr kumimoji="1" lang="ja-JP" altLang="en-US" smtClean="0"/>
-              <a:t>2018/11/9</a:t>
+              <a:t>2018/11/12</a:t>
             </a:fld>
             <a:endParaRPr kumimoji="1" lang="ja-JP" altLang="en-US"/>
           </a:p>
@@ -1115,7 +1124,7 @@
           <a:p>
             <a:fld id="{F73575EA-B69C-4E98-A1F6-448EF35F28C2}" type="datetimeFigureOut">
               <a:rPr kumimoji="1" lang="ja-JP" altLang="en-US" smtClean="0"/>
-              <a:t>2018/11/9</a:t>
+              <a:t>2018/11/12</a:t>
             </a:fld>
             <a:endParaRPr kumimoji="1" lang="ja-JP" altLang="en-US"/>
           </a:p>
@@ -1411,7 +1420,7 @@
           <a:p>
             <a:fld id="{F73575EA-B69C-4E98-A1F6-448EF35F28C2}" type="datetimeFigureOut">
               <a:rPr kumimoji="1" lang="ja-JP" altLang="en-US" smtClean="0"/>
-              <a:t>2018/11/9</a:t>
+              <a:t>2018/11/12</a:t>
             </a:fld>
             <a:endParaRPr kumimoji="1" lang="ja-JP" altLang="en-US"/>
           </a:p>
@@ -1842,7 +1851,7 @@
           <a:p>
             <a:fld id="{F73575EA-B69C-4E98-A1F6-448EF35F28C2}" type="datetimeFigureOut">
               <a:rPr kumimoji="1" lang="ja-JP" altLang="en-US" smtClean="0"/>
-              <a:t>2018/11/9</a:t>
+              <a:t>2018/11/12</a:t>
             </a:fld>
             <a:endParaRPr kumimoji="1" lang="ja-JP" altLang="en-US"/>
           </a:p>
@@ -1960,7 +1969,7 @@
           <a:p>
             <a:fld id="{F73575EA-B69C-4E98-A1F6-448EF35F28C2}" type="datetimeFigureOut">
               <a:rPr kumimoji="1" lang="ja-JP" altLang="en-US" smtClean="0"/>
-              <a:t>2018/11/9</a:t>
+              <a:t>2018/11/12</a:t>
             </a:fld>
             <a:endParaRPr kumimoji="1" lang="ja-JP" altLang="en-US"/>
           </a:p>
@@ -2055,7 +2064,7 @@
           <a:p>
             <a:fld id="{F73575EA-B69C-4E98-A1F6-448EF35F28C2}" type="datetimeFigureOut">
               <a:rPr kumimoji="1" lang="ja-JP" altLang="en-US" smtClean="0"/>
-              <a:t>2018/11/9</a:t>
+              <a:t>2018/11/12</a:t>
             </a:fld>
             <a:endParaRPr kumimoji="1" lang="ja-JP" altLang="en-US"/>
           </a:p>
@@ -2364,7 +2373,7 @@
           <a:p>
             <a:fld id="{F73575EA-B69C-4E98-A1F6-448EF35F28C2}" type="datetimeFigureOut">
               <a:rPr kumimoji="1" lang="ja-JP" altLang="en-US" smtClean="0"/>
-              <a:t>2018/11/9</a:t>
+              <a:t>2018/11/12</a:t>
             </a:fld>
             <a:endParaRPr kumimoji="1" lang="ja-JP" altLang="en-US"/>
           </a:p>
@@ -2617,7 +2626,7 @@
           <a:p>
             <a:fld id="{F73575EA-B69C-4E98-A1F6-448EF35F28C2}" type="datetimeFigureOut">
               <a:rPr kumimoji="1" lang="ja-JP" altLang="en-US" smtClean="0"/>
-              <a:t>2018/11/9</a:t>
+              <a:t>2018/11/12</a:t>
             </a:fld>
             <a:endParaRPr kumimoji="1" lang="ja-JP" altLang="en-US"/>
           </a:p>
@@ -2862,7 +2871,7 @@
           <a:p>
             <a:fld id="{F73575EA-B69C-4E98-A1F6-448EF35F28C2}" type="datetimeFigureOut">
               <a:rPr kumimoji="1" lang="ja-JP" altLang="en-US" smtClean="0"/>
-              <a:t>2018/11/9</a:t>
+              <a:t>2018/11/12</a:t>
             </a:fld>
             <a:endParaRPr kumimoji="1" lang="ja-JP" altLang="en-US"/>
           </a:p>
@@ -3319,6 +3328,175 @@
           </a:p>
         </p:txBody>
       </p:sp>
+      <p:sp>
+        <p:nvSpPr>
+          <p:cNvPr id="4" name="正方形/長方形 3"/>
+          <p:cNvSpPr/>
+          <p:nvPr/>
+        </p:nvSpPr>
+        <p:spPr>
+          <a:xfrm>
+            <a:off x="9712632" y="4596080"/>
+            <a:ext cx="1620957" cy="1323439"/>
+          </a:xfrm>
+          <a:prstGeom prst="rect">
+            <a:avLst/>
+          </a:prstGeom>
+          <a:noFill/>
+        </p:spPr>
+        <p:txBody>
+          <a:bodyPr wrap="none" lIns="91440" tIns="45720" rIns="91440" bIns="45720">
+            <a:spAutoFit/>
+          </a:bodyPr>
+          <a:lstStyle/>
+          <a:p>
+            <a:r>
+              <a:rPr lang="ja-JP" altLang="en-US" sz="1600" b="0" cap="none" spc="0" dirty="0" smtClean="0">
+                <a:ln w="0"/>
+                <a:solidFill>
+                  <a:schemeClr val="tx1"/>
+                </a:solidFill>
+                <a:effectLst>
+                  <a:outerShdw blurRad="38100" dist="19050" dir="2700000" algn="tl" rotWithShape="0">
+                    <a:schemeClr val="dk1">
+                      <a:alpha val="40000"/>
+                    </a:schemeClr>
+                  </a:outerShdw>
+                </a:effectLst>
+              </a:rPr>
+              <a:t>チームメンバー</a:t>
+            </a:r>
+            <a:endParaRPr lang="en-US" altLang="ja-JP" sz="1600" b="0" cap="none" spc="0" dirty="0" smtClean="0">
+              <a:ln w="0"/>
+              <a:solidFill>
+                <a:schemeClr val="tx1"/>
+              </a:solidFill>
+              <a:effectLst>
+                <a:outerShdw blurRad="38100" dist="19050" dir="2700000" algn="tl" rotWithShape="0">
+                  <a:schemeClr val="dk1">
+                    <a:alpha val="40000"/>
+                  </a:schemeClr>
+                </a:outerShdw>
+              </a:effectLst>
+            </a:endParaRPr>
+          </a:p>
+          <a:p>
+            <a:r>
+              <a:rPr lang="ja-JP" altLang="en-US" sz="1600" dirty="0" smtClean="0">
+                <a:ln w="0"/>
+                <a:effectLst>
+                  <a:outerShdw blurRad="38100" dist="19050" dir="2700000" algn="tl" rotWithShape="0">
+                    <a:schemeClr val="dk1">
+                      <a:alpha val="40000"/>
+                    </a:schemeClr>
+                  </a:outerShdw>
+                </a:effectLst>
+              </a:rPr>
+              <a:t>井上</a:t>
+            </a:r>
+            <a:endParaRPr lang="en-US" altLang="ja-JP" sz="1600" dirty="0" smtClean="0">
+              <a:ln w="0"/>
+              <a:effectLst>
+                <a:outerShdw blurRad="38100" dist="19050" dir="2700000" algn="tl" rotWithShape="0">
+                  <a:schemeClr val="dk1">
+                    <a:alpha val="40000"/>
+                  </a:schemeClr>
+                </a:outerShdw>
+              </a:effectLst>
+            </a:endParaRPr>
+          </a:p>
+          <a:p>
+            <a:r>
+              <a:rPr lang="ja-JP" altLang="en-US" sz="1600" b="0" cap="none" spc="0" dirty="0">
+                <a:ln w="0"/>
+                <a:solidFill>
+                  <a:schemeClr val="tx1"/>
+                </a:solidFill>
+                <a:effectLst>
+                  <a:outerShdw blurRad="38100" dist="19050" dir="2700000" algn="tl" rotWithShape="0">
+                    <a:schemeClr val="dk1">
+                      <a:alpha val="40000"/>
+                    </a:schemeClr>
+                  </a:outerShdw>
+                </a:effectLst>
+              </a:rPr>
+              <a:t>白</a:t>
+            </a:r>
+            <a:r>
+              <a:rPr lang="ja-JP" altLang="en-US" sz="1600" b="0" cap="none" spc="0" dirty="0" smtClean="0">
+                <a:ln w="0"/>
+                <a:solidFill>
+                  <a:schemeClr val="tx1"/>
+                </a:solidFill>
+                <a:effectLst>
+                  <a:outerShdw blurRad="38100" dist="19050" dir="2700000" algn="tl" rotWithShape="0">
+                    <a:schemeClr val="dk1">
+                      <a:alpha val="40000"/>
+                    </a:schemeClr>
+                  </a:outerShdw>
+                </a:effectLst>
+              </a:rPr>
+              <a:t>枝</a:t>
+            </a:r>
+            <a:endParaRPr lang="en-US" altLang="ja-JP" sz="1600" b="0" cap="none" spc="0" dirty="0" smtClean="0">
+              <a:ln w="0"/>
+              <a:solidFill>
+                <a:schemeClr val="tx1"/>
+              </a:solidFill>
+              <a:effectLst>
+                <a:outerShdw blurRad="38100" dist="19050" dir="2700000" algn="tl" rotWithShape="0">
+                  <a:schemeClr val="dk1">
+                    <a:alpha val="40000"/>
+                  </a:schemeClr>
+                </a:outerShdw>
+              </a:effectLst>
+            </a:endParaRPr>
+          </a:p>
+          <a:p>
+            <a:r>
+              <a:rPr lang="ja-JP" altLang="en-US" sz="1600" dirty="0" smtClean="0">
+                <a:ln w="0"/>
+                <a:effectLst>
+                  <a:outerShdw blurRad="38100" dist="19050" dir="2700000" algn="tl" rotWithShape="0">
+                    <a:schemeClr val="dk1">
+                      <a:alpha val="40000"/>
+                    </a:schemeClr>
+                  </a:outerShdw>
+                </a:effectLst>
+              </a:rPr>
+              <a:t>国弘</a:t>
+            </a:r>
+            <a:endParaRPr lang="en-US" altLang="ja-JP" sz="1600" dirty="0" smtClean="0">
+              <a:ln w="0"/>
+              <a:effectLst>
+                <a:outerShdw blurRad="38100" dist="19050" dir="2700000" algn="tl" rotWithShape="0">
+                  <a:schemeClr val="dk1">
+                    <a:alpha val="40000"/>
+                  </a:schemeClr>
+                </a:outerShdw>
+              </a:effectLst>
+            </a:endParaRPr>
+          </a:p>
+          <a:p>
+            <a:r>
+              <a:rPr lang="ja-JP" altLang="en-US" sz="1600" b="0" cap="none" spc="0" dirty="0">
+                <a:ln w="0"/>
+                <a:solidFill>
+                  <a:schemeClr val="tx1"/>
+                </a:solidFill>
+                <a:effectLst>
+                  <a:outerShdw blurRad="38100" dist="19050" dir="2700000" algn="tl" rotWithShape="0">
+                    <a:schemeClr val="dk1">
+                      <a:alpha val="40000"/>
+                    </a:schemeClr>
+                  </a:outerShdw>
+                </a:effectLst>
+              </a:rPr>
+              <a:t>森田</a:t>
+            </a:r>
+          </a:p>
+        </p:txBody>
+      </p:sp>
     </p:spTree>
     <p:extLst>
       <p:ext uri="{BB962C8B-B14F-4D97-AF65-F5344CB8AC3E}">
@@ -3351,6 +3529,52 @@
       </p:grpSpPr>
       <p:sp>
         <p:nvSpPr>
+          <p:cNvPr id="4" name="角丸四角形 3"/>
+          <p:cNvSpPr/>
+          <p:nvPr/>
+        </p:nvSpPr>
+        <p:spPr>
+          <a:xfrm>
+            <a:off x="593124" y="436606"/>
+            <a:ext cx="10760675" cy="5873578"/>
+          </a:xfrm>
+          <a:prstGeom prst="roundRect">
+            <a:avLst/>
+          </a:prstGeom>
+          <a:solidFill>
+            <a:schemeClr val="accent3">
+              <a:alpha val="50000"/>
+            </a:schemeClr>
+          </a:solidFill>
+          <a:ln>
+            <a:noFill/>
+          </a:ln>
+        </p:spPr>
+        <p:style>
+          <a:lnRef idx="0">
+            <a:scrgbClr r="0" g="0" b="0"/>
+          </a:lnRef>
+          <a:fillRef idx="0">
+            <a:scrgbClr r="0" g="0" b="0"/>
+          </a:fillRef>
+          <a:effectRef idx="0">
+            <a:scrgbClr r="0" g="0" b="0"/>
+          </a:effectRef>
+          <a:fontRef idx="minor">
+            <a:schemeClr val="lt1"/>
+          </a:fontRef>
+        </p:style>
+        <p:txBody>
+          <a:bodyPr rtlCol="0" anchor="ctr"/>
+          <a:lstStyle/>
+          <a:p>
+            <a:pPr algn="ctr"/>
+            <a:endParaRPr kumimoji="1" lang="ja-JP" altLang="en-US"/>
+          </a:p>
+        </p:txBody>
+      </p:sp>
+      <p:sp>
+        <p:nvSpPr>
           <p:cNvPr id="2" name="タイトル 1"/>
           <p:cNvSpPr>
             <a:spLocks noGrp="1"/>
@@ -3365,18 +3589,30 @@
           <a:lstStyle/>
           <a:p>
             <a:r>
-              <a:rPr kumimoji="1" lang="ja-JP" altLang="en-US" b="1" dirty="0" smtClean="0"/>
+              <a:rPr kumimoji="1" lang="ja-JP" altLang="en-US" b="1" dirty="0" smtClean="0">
+                <a:latin typeface="HGSｺﾞｼｯｸE" panose="020B0900000000000000" pitchFamily="50" charset="-128"/>
+                <a:ea typeface="HGSｺﾞｼｯｸE" panose="020B0900000000000000" pitchFamily="50" charset="-128"/>
+              </a:rPr>
               <a:t>オストル</a:t>
             </a:r>
             <a:r>
-              <a:rPr kumimoji="1" lang="en-US" altLang="ja-JP" b="1" dirty="0" smtClean="0"/>
+              <a:rPr kumimoji="1" lang="en-US" altLang="ja-JP" b="1" dirty="0" smtClean="0">
+                <a:latin typeface="HGSｺﾞｼｯｸE" panose="020B0900000000000000" pitchFamily="50" charset="-128"/>
+                <a:ea typeface="HGSｺﾞｼｯｸE" panose="020B0900000000000000" pitchFamily="50" charset="-128"/>
+              </a:rPr>
               <a:t>×</a:t>
             </a:r>
             <a:r>
-              <a:rPr kumimoji="1" lang="ja-JP" altLang="en-US" b="1" dirty="0" smtClean="0"/>
+              <a:rPr kumimoji="1" lang="ja-JP" altLang="en-US" b="1" dirty="0" smtClean="0">
+                <a:latin typeface="HGSｺﾞｼｯｸE" panose="020B0900000000000000" pitchFamily="50" charset="-128"/>
+                <a:ea typeface="HGSｺﾞｼｯｸE" panose="020B0900000000000000" pitchFamily="50" charset="-128"/>
+              </a:rPr>
               <a:t>将棋</a:t>
             </a:r>
-            <a:endParaRPr kumimoji="1" lang="ja-JP" altLang="en-US" b="1" dirty="0"/>
+            <a:endParaRPr kumimoji="1" lang="ja-JP" altLang="en-US" b="1" dirty="0">
+              <a:latin typeface="HGSｺﾞｼｯｸE" panose="020B0900000000000000" pitchFamily="50" charset="-128"/>
+              <a:ea typeface="HGSｺﾞｼｯｸE" panose="020B0900000000000000" pitchFamily="50" charset="-128"/>
+            </a:endParaRPr>
           </a:p>
         </p:txBody>
       </p:sp>
@@ -3396,15 +3632,15 @@
           <a:lstStyle/>
           <a:p>
             <a:r>
-              <a:rPr kumimoji="1" lang="ja-JP" altLang="en-US" sz="3000" dirty="0" smtClean="0"/>
+              <a:rPr kumimoji="1" lang="ja-JP" altLang="en-US" sz="3000" b="1" dirty="0" smtClean="0"/>
               <a:t>オス、オトス、トルが基本のオストル</a:t>
             </a:r>
             <a:r>
-              <a:rPr lang="ja-JP" altLang="en-US" sz="3000" dirty="0" smtClean="0"/>
+              <a:rPr lang="ja-JP" altLang="en-US" sz="3000" b="1" dirty="0" smtClean="0"/>
               <a:t>、そこに将棋の各駒の</a:t>
             </a:r>
             <a:r>
-              <a:rPr lang="ja-JP" altLang="en-US" sz="3000" u="sng" dirty="0" smtClean="0">
+              <a:rPr lang="ja-JP" altLang="en-US" sz="3000" b="1" u="sng" dirty="0" smtClean="0">
                 <a:solidFill>
                   <a:srgbClr val="FF0000"/>
                 </a:solidFill>
@@ -3412,11 +3648,11 @@
               <a:t>動き</a:t>
             </a:r>
             <a:r>
-              <a:rPr lang="ja-JP" altLang="en-US" sz="3000" dirty="0" smtClean="0"/>
+              <a:rPr lang="ja-JP" altLang="en-US" sz="3000" b="1" dirty="0" smtClean="0"/>
               <a:t>を追加し、盤面もなんと従来の</a:t>
             </a:r>
             <a:r>
-              <a:rPr lang="en-US" altLang="ja-JP" sz="3000" u="sng" dirty="0" smtClean="0">
+              <a:rPr lang="en-US" altLang="ja-JP" sz="3000" b="1" u="sng" dirty="0" smtClean="0">
                 <a:solidFill>
                   <a:srgbClr val="FF0000"/>
                 </a:solidFill>
@@ -3424,7 +3660,7 @@
               <a:t>1.8</a:t>
             </a:r>
             <a:r>
-              <a:rPr lang="ja-JP" altLang="en-US" sz="3000" u="sng" dirty="0" smtClean="0">
+              <a:rPr lang="ja-JP" altLang="en-US" sz="3000" b="1" u="sng" dirty="0" smtClean="0">
                 <a:solidFill>
                   <a:srgbClr val="FF0000"/>
                 </a:solidFill>
@@ -3432,61 +3668,83 @@
               <a:t>倍</a:t>
             </a:r>
             <a:r>
-              <a:rPr lang="ja-JP" altLang="en-US" sz="1200" dirty="0" smtClean="0"/>
+              <a:rPr lang="ja-JP" altLang="en-US" sz="1200" b="1" dirty="0" smtClean="0"/>
               <a:t>（</a:t>
             </a:r>
             <a:r>
-              <a:rPr lang="en-US" altLang="ja-JP" sz="1200" dirty="0" smtClean="0"/>
+              <a:rPr lang="en-US" altLang="ja-JP" sz="1200" b="1" dirty="0" smtClean="0"/>
               <a:t>5</a:t>
             </a:r>
             <a:r>
-              <a:rPr lang="ja-JP" altLang="en-US" sz="1200" dirty="0" smtClean="0"/>
+              <a:rPr lang="ja-JP" altLang="en-US" sz="1200" b="1" dirty="0" smtClean="0"/>
               <a:t>*</a:t>
             </a:r>
             <a:r>
-              <a:rPr lang="en-US" altLang="ja-JP" sz="1200" dirty="0" smtClean="0"/>
+              <a:rPr lang="en-US" altLang="ja-JP" sz="1200" b="1" dirty="0" smtClean="0"/>
               <a:t>5</a:t>
             </a:r>
             <a:r>
-              <a:rPr lang="ja-JP" altLang="en-US" sz="1200" dirty="0" smtClean="0"/>
+              <a:rPr lang="ja-JP" altLang="en-US" sz="1200" b="1" dirty="0" smtClean="0"/>
               <a:t>から</a:t>
             </a:r>
             <a:r>
-              <a:rPr lang="en-US" altLang="ja-JP" sz="1200" dirty="0" smtClean="0"/>
+              <a:rPr lang="en-US" altLang="ja-JP" sz="1200" b="1" dirty="0" smtClean="0"/>
               <a:t>9</a:t>
             </a:r>
             <a:r>
-              <a:rPr lang="ja-JP" altLang="en-US" sz="1200" dirty="0" smtClean="0"/>
+              <a:rPr lang="ja-JP" altLang="en-US" sz="1200" b="1" dirty="0" smtClean="0"/>
               <a:t>*</a:t>
             </a:r>
             <a:r>
-              <a:rPr lang="en-US" altLang="ja-JP" sz="1200" dirty="0" smtClean="0"/>
+              <a:rPr lang="en-US" altLang="ja-JP" sz="1200" b="1" dirty="0" smtClean="0"/>
               <a:t>9</a:t>
             </a:r>
             <a:r>
-              <a:rPr lang="ja-JP" altLang="en-US" sz="1200" dirty="0" smtClean="0"/>
+              <a:rPr lang="ja-JP" altLang="en-US" sz="1200" b="1" dirty="0" smtClean="0"/>
               <a:t>へ）</a:t>
             </a:r>
             <a:r>
-              <a:rPr lang="ja-JP" altLang="en-US" sz="3000" dirty="0" smtClean="0"/>
+              <a:rPr lang="ja-JP" altLang="en-US" sz="3000" b="1" dirty="0" smtClean="0"/>
               <a:t>に拡張することで、</a:t>
             </a:r>
             <a:r>
-              <a:rPr lang="ja-JP" altLang="en-US" sz="3000" dirty="0"/>
+              <a:rPr lang="ja-JP" altLang="en-US" sz="3000" b="1" dirty="0"/>
               <a:t>更</a:t>
             </a:r>
             <a:r>
-              <a:rPr lang="ja-JP" altLang="en-US" sz="3000" dirty="0" smtClean="0"/>
-              <a:t>なる戦略性を持たせ、幅広い戦い方ができるようになりました！</a:t>
-            </a:r>
-            <a:endParaRPr lang="en-US" altLang="ja-JP" sz="3000" dirty="0" smtClean="0"/>
-          </a:p>
-          <a:p>
-            <a:r>
-              <a:rPr lang="ja-JP" altLang="en-US" sz="3000" dirty="0" smtClean="0"/>
-              <a:t>オストル本来の穴に落とすという楽しみ方も健在！穴に落とした駒は将棋のように自分の駒として使用可能！</a:t>
-            </a:r>
-            <a:endParaRPr lang="en-US" altLang="ja-JP" sz="3000" dirty="0" smtClean="0"/>
+              <a:rPr lang="ja-JP" altLang="en-US" sz="3000" b="1" dirty="0" smtClean="0"/>
+              <a:t>なる戦略性を持たせ、幅広い戦い方ができるように</a:t>
+            </a:r>
+            <a:r>
+              <a:rPr lang="ja-JP" altLang="en-US" sz="3000" b="1" dirty="0" smtClean="0"/>
+              <a:t>なりました。</a:t>
+            </a:r>
+            <a:endParaRPr lang="en-US" altLang="ja-JP" sz="3000" b="1" dirty="0" smtClean="0"/>
+          </a:p>
+          <a:p>
+            <a:pPr marL="0" indent="0">
+              <a:buNone/>
+            </a:pPr>
+            <a:endParaRPr lang="en-US" altLang="ja-JP" sz="3000" b="1" dirty="0" smtClean="0"/>
+          </a:p>
+          <a:p>
+            <a:r>
+              <a:rPr lang="ja-JP" altLang="en-US" sz="3000" b="1" dirty="0" smtClean="0"/>
+              <a:t>オストル本来の穴に落とすという楽しみ方も</a:t>
+            </a:r>
+            <a:r>
+              <a:rPr lang="ja-JP" altLang="en-US" sz="3000" b="1" dirty="0" smtClean="0"/>
+              <a:t>健在しており穴</a:t>
+            </a:r>
+            <a:r>
+              <a:rPr lang="ja-JP" altLang="en-US" sz="3000" b="1" dirty="0" smtClean="0"/>
+              <a:t>に落とした駒は将棋のように自分の駒として使用</a:t>
+            </a:r>
+            <a:r>
+              <a:rPr lang="ja-JP" altLang="en-US" sz="3000" b="1" dirty="0" smtClean="0"/>
+              <a:t>可能になります。</a:t>
+            </a:r>
+            <a:endParaRPr lang="en-US" altLang="ja-JP" sz="3000" b="1" dirty="0" smtClean="0"/>
           </a:p>
         </p:txBody>
       </p:sp>
@@ -3545,8 +3803,208 @@
         </p:blipFill>
         <p:spPr bwMode="auto">
           <a:xfrm>
-            <a:off x="838200" y="365125"/>
+            <a:off x="1456038" y="365125"/>
             <a:ext cx="9073013" cy="6492875"/>
+          </a:xfrm>
+          <a:prstGeom prst="rect">
+            <a:avLst/>
+          </a:prstGeom>
+          <a:noFill/>
+          <a:extLst>
+            <a:ext uri="{909E8E84-426E-40DD-AFC4-6F175D3DCCD1}">
+              <a14:hiddenFill xmlns:a14="http://schemas.microsoft.com/office/drawing/2010/main">
+                <a:solidFill>
+                  <a:srgbClr val="FFFFFF"/>
+                </a:solidFill>
+              </a14:hiddenFill>
+            </a:ext>
+          </a:extLst>
+        </p:spPr>
+      </p:pic>
+      <p:sp>
+        <p:nvSpPr>
+          <p:cNvPr id="2" name="正方形/長方形 1"/>
+          <p:cNvSpPr/>
+          <p:nvPr/>
+        </p:nvSpPr>
+        <p:spPr>
+          <a:xfrm>
+            <a:off x="8555941" y="6361324"/>
+            <a:ext cx="2927604" cy="307777"/>
+          </a:xfrm>
+          <a:prstGeom prst="rect">
+            <a:avLst/>
+          </a:prstGeom>
+          <a:noFill/>
+        </p:spPr>
+        <p:txBody>
+          <a:bodyPr wrap="square" lIns="91440" tIns="45720" rIns="91440" bIns="45720">
+            <a:spAutoFit/>
+          </a:bodyPr>
+          <a:lstStyle/>
+          <a:p>
+            <a:pPr algn="ctr"/>
+            <a:r>
+              <a:rPr lang="en-US" altLang="ja-JP" sz="1400" b="0" cap="none" spc="0" dirty="0" smtClean="0">
+                <a:ln w="0"/>
+                <a:solidFill>
+                  <a:schemeClr val="tx1"/>
+                </a:solidFill>
+                <a:effectLst>
+                  <a:outerShdw blurRad="38100" dist="19050" dir="2700000" algn="tl" rotWithShape="0">
+                    <a:schemeClr val="dk1">
+                      <a:alpha val="40000"/>
+                    </a:schemeClr>
+                  </a:outerShdw>
+                </a:effectLst>
+              </a:rPr>
+              <a:t>※</a:t>
+            </a:r>
+            <a:r>
+              <a:rPr lang="ja-JP" altLang="en-US" sz="1400" b="0" cap="none" spc="0" dirty="0" smtClean="0">
+                <a:ln w="0"/>
+                <a:solidFill>
+                  <a:schemeClr val="tx1"/>
+                </a:solidFill>
+                <a:effectLst>
+                  <a:outerShdw blurRad="38100" dist="19050" dir="2700000" algn="tl" rotWithShape="0">
+                    <a:schemeClr val="dk1">
+                      <a:alpha val="40000"/>
+                    </a:schemeClr>
+                  </a:outerShdw>
+                </a:effectLst>
+              </a:rPr>
+              <a:t>公式ページより引用</a:t>
+            </a:r>
+            <a:endParaRPr lang="ja-JP" altLang="en-US" sz="1400" b="0" cap="none" spc="0" dirty="0">
+              <a:ln w="0"/>
+              <a:solidFill>
+                <a:schemeClr val="tx1"/>
+              </a:solidFill>
+              <a:effectLst>
+                <a:outerShdw blurRad="38100" dist="19050" dir="2700000" algn="tl" rotWithShape="0">
+                  <a:schemeClr val="dk1">
+                    <a:alpha val="40000"/>
+                  </a:schemeClr>
+                </a:outerShdw>
+              </a:effectLst>
+            </a:endParaRPr>
+          </a:p>
+        </p:txBody>
+      </p:sp>
+    </p:spTree>
+    <p:extLst>
+      <p:ext uri="{BB962C8B-B14F-4D97-AF65-F5344CB8AC3E}">
+        <p14:creationId xmlns:p14="http://schemas.microsoft.com/office/powerpoint/2010/main" val="1310556618"/>
+      </p:ext>
+    </p:extLst>
+  </p:cSld>
+  <p:clrMapOvr>
+    <a:masterClrMapping/>
+  </p:clrMapOvr>
+</p:sld>
+</file>
+
+<file path=ppt/slides/slide4.xml><?xml version="1.0" encoding="utf-8"?>
+<p:sld xmlns:a="http://schemas.openxmlformats.org/drawingml/2006/main" xmlns:r="http://schemas.openxmlformats.org/officeDocument/2006/relationships" xmlns:p="http://schemas.openxmlformats.org/presentationml/2006/main">
+  <p:cSld>
+    <p:spTree>
+      <p:nvGrpSpPr>
+        <p:cNvPr id="1" name=""/>
+        <p:cNvGrpSpPr/>
+        <p:nvPr/>
+      </p:nvGrpSpPr>
+      <p:grpSpPr>
+        <a:xfrm>
+          <a:off x="0" y="0"/>
+          <a:ext cx="0" cy="0"/>
+          <a:chOff x="0" y="0"/>
+          <a:chExt cx="0" cy="0"/>
+        </a:xfrm>
+      </p:grpSpPr>
+      <p:sp>
+        <p:nvSpPr>
+          <p:cNvPr id="2" name="タイトル 1"/>
+          <p:cNvSpPr>
+            <a:spLocks noGrp="1"/>
+          </p:cNvSpPr>
+          <p:nvPr>
+            <p:ph type="title"/>
+          </p:nvPr>
+        </p:nvSpPr>
+        <p:spPr>
+          <a:xfrm>
+            <a:off x="3410465" y="365125"/>
+            <a:ext cx="7943334" cy="1325563"/>
+          </a:xfrm>
+        </p:spPr>
+        <p:txBody>
+          <a:bodyPr/>
+          <a:lstStyle/>
+          <a:p>
+            <a:r>
+              <a:rPr kumimoji="1" lang="ja-JP" altLang="en-US" dirty="0" smtClean="0">
+                <a:latin typeface="HGSｺﾞｼｯｸE" panose="020B0900000000000000" pitchFamily="50" charset="-128"/>
+                <a:ea typeface="HGSｺﾞｼｯｸE" panose="020B0900000000000000" pitchFamily="50" charset="-128"/>
+              </a:rPr>
+              <a:t>将棋の駒の動き</a:t>
+            </a:r>
+            <a:endParaRPr kumimoji="1" lang="ja-JP" altLang="en-US" dirty="0">
+              <a:latin typeface="HGSｺﾞｼｯｸE" panose="020B0900000000000000" pitchFamily="50" charset="-128"/>
+              <a:ea typeface="HGSｺﾞｼｯｸE" panose="020B0900000000000000" pitchFamily="50" charset="-128"/>
+            </a:endParaRPr>
+          </a:p>
+        </p:txBody>
+      </p:sp>
+      <p:sp>
+        <p:nvSpPr>
+          <p:cNvPr id="3" name="コンテンツ プレースホルダー 2"/>
+          <p:cNvSpPr>
+            <a:spLocks noGrp="1"/>
+          </p:cNvSpPr>
+          <p:nvPr>
+            <p:ph idx="1"/>
+          </p:nvPr>
+        </p:nvSpPr>
+        <p:spPr>
+          <a:xfrm>
+            <a:off x="582827" y="1027906"/>
+            <a:ext cx="10515600" cy="4351338"/>
+          </a:xfrm>
+        </p:spPr>
+        <p:txBody>
+          <a:bodyPr/>
+          <a:lstStyle/>
+          <a:p>
+            <a:endParaRPr kumimoji="1" lang="ja-JP" altLang="en-US" dirty="0"/>
+          </a:p>
+        </p:txBody>
+      </p:sp>
+      <p:pic>
+        <p:nvPicPr>
+          <p:cNvPr id="1026" name="Picture 2" descr="ãå°æ£ åããã®ç»åæ¤ç´¢çµæ"/>
+          <p:cNvPicPr>
+            <a:picLocks noChangeAspect="1" noChangeArrowheads="1"/>
+          </p:cNvPicPr>
+          <p:nvPr/>
+        </p:nvPicPr>
+        <p:blipFill>
+          <a:blip r:embed="rId2">
+            <a:extLst>
+              <a:ext uri="{28A0092B-C50C-407E-A947-70E740481C1C}">
+                <a14:useLocalDpi xmlns:a14="http://schemas.microsoft.com/office/drawing/2010/main" val="0"/>
+              </a:ext>
+            </a:extLst>
+          </a:blip>
+          <a:srcRect/>
+          <a:stretch>
+            <a:fillRect/>
+          </a:stretch>
+        </p:blipFill>
+        <p:spPr bwMode="auto">
+          <a:xfrm>
+            <a:off x="1383013" y="1625513"/>
+            <a:ext cx="8985492" cy="4544627"/>
           </a:xfrm>
           <a:prstGeom prst="rect">
             <a:avLst/>
@@ -3566,7 +4024,183 @@
     </p:spTree>
     <p:extLst>
       <p:ext uri="{BB962C8B-B14F-4D97-AF65-F5344CB8AC3E}">
-        <p14:creationId xmlns:p14="http://schemas.microsoft.com/office/powerpoint/2010/main" val="1310556618"/>
+        <p14:creationId xmlns:p14="http://schemas.microsoft.com/office/powerpoint/2010/main" val="1218821800"/>
+      </p:ext>
+    </p:extLst>
+  </p:cSld>
+  <p:clrMapOvr>
+    <a:masterClrMapping/>
+  </p:clrMapOvr>
+</p:sld>
+</file>
+
+<file path=ppt/slides/slide5.xml><?xml version="1.0" encoding="utf-8"?>
+<p:sld xmlns:a="http://schemas.openxmlformats.org/drawingml/2006/main" xmlns:r="http://schemas.openxmlformats.org/officeDocument/2006/relationships" xmlns:p="http://schemas.openxmlformats.org/presentationml/2006/main">
+  <p:cSld>
+    <p:spTree>
+      <p:nvGrpSpPr>
+        <p:cNvPr id="1" name=""/>
+        <p:cNvGrpSpPr/>
+        <p:nvPr/>
+      </p:nvGrpSpPr>
+      <p:grpSpPr>
+        <a:xfrm>
+          <a:off x="0" y="0"/>
+          <a:ext cx="0" cy="0"/>
+          <a:chOff x="0" y="0"/>
+          <a:chExt cx="0" cy="0"/>
+        </a:xfrm>
+      </p:grpSpPr>
+      <p:sp>
+        <p:nvSpPr>
+          <p:cNvPr id="2" name="タイトル 1"/>
+          <p:cNvSpPr>
+            <a:spLocks noGrp="1"/>
+          </p:cNvSpPr>
+          <p:nvPr>
+            <p:ph type="title"/>
+          </p:nvPr>
+        </p:nvSpPr>
+        <p:spPr/>
+        <p:txBody>
+          <a:bodyPr/>
+          <a:lstStyle/>
+          <a:p>
+            <a:r>
+              <a:rPr kumimoji="1" lang="ja-JP" altLang="en-US" dirty="0" smtClean="0">
+                <a:latin typeface="HGSｺﾞｼｯｸE" panose="020B0900000000000000" pitchFamily="50" charset="-128"/>
+                <a:ea typeface="HGSｺﾞｼｯｸE" panose="020B0900000000000000" pitchFamily="50" charset="-128"/>
+              </a:rPr>
+              <a:t>ルール</a:t>
+            </a:r>
+            <a:endParaRPr kumimoji="1" lang="ja-JP" altLang="en-US" dirty="0">
+              <a:latin typeface="HGSｺﾞｼｯｸE" panose="020B0900000000000000" pitchFamily="50" charset="-128"/>
+              <a:ea typeface="HGSｺﾞｼｯｸE" panose="020B0900000000000000" pitchFamily="50" charset="-128"/>
+            </a:endParaRPr>
+          </a:p>
+        </p:txBody>
+      </p:sp>
+      <p:sp>
+        <p:nvSpPr>
+          <p:cNvPr id="3" name="コンテンツ プレースホルダー 2"/>
+          <p:cNvSpPr>
+            <a:spLocks noGrp="1"/>
+          </p:cNvSpPr>
+          <p:nvPr>
+            <p:ph idx="1"/>
+          </p:nvPr>
+        </p:nvSpPr>
+        <p:spPr>
+          <a:xfrm>
+            <a:off x="838200" y="2245755"/>
+            <a:ext cx="10515600" cy="4351338"/>
+          </a:xfrm>
+        </p:spPr>
+        <p:txBody>
+          <a:bodyPr/>
+          <a:lstStyle/>
+          <a:p>
+            <a:r>
+              <a:rPr kumimoji="1" lang="ja-JP" altLang="en-US" dirty="0" smtClean="0">
+                <a:latin typeface="HGSｺﾞｼｯｸE" panose="020B0900000000000000" pitchFamily="50" charset="-128"/>
+                <a:ea typeface="HGSｺﾞｼｯｸE" panose="020B0900000000000000" pitchFamily="50" charset="-128"/>
+              </a:rPr>
+              <a:t>ルールは単純、相手の王をとれば勝ち</a:t>
+            </a:r>
+            <a:endParaRPr kumimoji="1" lang="en-US" altLang="ja-JP" dirty="0" smtClean="0">
+              <a:latin typeface="HGSｺﾞｼｯｸE" panose="020B0900000000000000" pitchFamily="50" charset="-128"/>
+              <a:ea typeface="HGSｺﾞｼｯｸE" panose="020B0900000000000000" pitchFamily="50" charset="-128"/>
+            </a:endParaRPr>
+          </a:p>
+          <a:p>
+            <a:endParaRPr lang="en-US" altLang="ja-JP" dirty="0">
+              <a:latin typeface="HGSｺﾞｼｯｸE" panose="020B0900000000000000" pitchFamily="50" charset="-128"/>
+              <a:ea typeface="HGSｺﾞｼｯｸE" panose="020B0900000000000000" pitchFamily="50" charset="-128"/>
+            </a:endParaRPr>
+          </a:p>
+          <a:p>
+            <a:r>
+              <a:rPr kumimoji="1" lang="ja-JP" altLang="en-US" dirty="0" smtClean="0">
+                <a:latin typeface="HGSｺﾞｼｯｸE" panose="020B0900000000000000" pitchFamily="50" charset="-128"/>
+                <a:ea typeface="HGSｺﾞｼｯｸE" panose="020B0900000000000000" pitchFamily="50" charset="-128"/>
+              </a:rPr>
+              <a:t>駒を使って場外に落とす、穴を使ってオトス、とにかく相手の王をとれば勝ちとなります。</a:t>
+            </a:r>
+            <a:endParaRPr kumimoji="1" lang="ja-JP" altLang="en-US" dirty="0">
+              <a:latin typeface="HGSｺﾞｼｯｸE" panose="020B0900000000000000" pitchFamily="50" charset="-128"/>
+              <a:ea typeface="HGSｺﾞｼｯｸE" panose="020B0900000000000000" pitchFamily="50" charset="-128"/>
+            </a:endParaRPr>
+          </a:p>
+        </p:txBody>
+      </p:sp>
+    </p:spTree>
+    <p:extLst>
+      <p:ext uri="{BB962C8B-B14F-4D97-AF65-F5344CB8AC3E}">
+        <p14:creationId xmlns:p14="http://schemas.microsoft.com/office/powerpoint/2010/main" val="4107855438"/>
+      </p:ext>
+    </p:extLst>
+  </p:cSld>
+  <p:clrMapOvr>
+    <a:masterClrMapping/>
+  </p:clrMapOvr>
+</p:sld>
+</file>
+
+<file path=ppt/slides/slide6.xml><?xml version="1.0" encoding="utf-8"?>
+<p:sld xmlns:a="http://schemas.openxmlformats.org/drawingml/2006/main" xmlns:r="http://schemas.openxmlformats.org/officeDocument/2006/relationships" xmlns:p="http://schemas.openxmlformats.org/presentationml/2006/main">
+  <p:cSld>
+    <p:spTree>
+      <p:nvGrpSpPr>
+        <p:cNvPr id="1" name=""/>
+        <p:cNvGrpSpPr/>
+        <p:nvPr/>
+      </p:nvGrpSpPr>
+      <p:grpSpPr>
+        <a:xfrm>
+          <a:off x="0" y="0"/>
+          <a:ext cx="0" cy="0"/>
+          <a:chOff x="0" y="0"/>
+          <a:chExt cx="0" cy="0"/>
+        </a:xfrm>
+      </p:grpSpPr>
+      <p:sp>
+        <p:nvSpPr>
+          <p:cNvPr id="2" name="タイトル 1"/>
+          <p:cNvSpPr>
+            <a:spLocks noGrp="1"/>
+          </p:cNvSpPr>
+          <p:nvPr>
+            <p:ph type="title"/>
+          </p:nvPr>
+        </p:nvSpPr>
+        <p:spPr>
+          <a:xfrm>
+            <a:off x="1744362" y="2762335"/>
+            <a:ext cx="10515600" cy="1325563"/>
+          </a:xfrm>
+        </p:spPr>
+        <p:txBody>
+          <a:bodyPr/>
+          <a:lstStyle/>
+          <a:p>
+            <a:r>
+              <a:rPr kumimoji="1" lang="ja-JP" altLang="en-US" dirty="0" smtClean="0">
+                <a:latin typeface="HGSｺﾞｼｯｸE" panose="020B0900000000000000" pitchFamily="50" charset="-128"/>
+                <a:ea typeface="HGSｺﾞｼｯｸE" panose="020B0900000000000000" pitchFamily="50" charset="-128"/>
+              </a:rPr>
+              <a:t>ご清聴ありがとうございました</a:t>
+            </a:r>
+            <a:endParaRPr kumimoji="1" lang="ja-JP" altLang="en-US" dirty="0">
+              <a:latin typeface="HGSｺﾞｼｯｸE" panose="020B0900000000000000" pitchFamily="50" charset="-128"/>
+              <a:ea typeface="HGSｺﾞｼｯｸE" panose="020B0900000000000000" pitchFamily="50" charset="-128"/>
+            </a:endParaRPr>
+          </a:p>
+        </p:txBody>
+      </p:sp>
+    </p:spTree>
+    <p:extLst>
+      <p:ext uri="{BB962C8B-B14F-4D97-AF65-F5344CB8AC3E}">
+        <p14:creationId xmlns:p14="http://schemas.microsoft.com/office/powerpoint/2010/main" val="582653702"/>
       </p:ext>
     </p:extLst>
   </p:cSld>
